--- a/ppt/ppt.pptx
+++ b/ppt/ppt.pptx
@@ -5,7 +5,11 @@
     <p:sldMasterId id="2147483648" r:id="rId1"/>
   </p:sldMasterIdLst>
   <p:sldIdLst>
-    <p:sldId id="256" r:id="rId2"/>
+    <p:sldId id="257" r:id="rId2"/>
+    <p:sldId id="258" r:id="rId3"/>
+    <p:sldId id="259" r:id="rId4"/>
+    <p:sldId id="260" r:id="rId5"/>
+    <p:sldId id="256" r:id="rId6"/>
   </p:sldIdLst>
   <p:sldSz cx="12192000" cy="6858000"/>
   <p:notesSz cx="6858000" cy="9144000"/>
@@ -104,6 +108,11 @@
       </a:defRPr>
     </a:lvl9pPr>
   </p:defaultTextStyle>
+  <p:extLst>
+    <p:ext uri="{EFAFB233-063F-42B5-8137-9DF3F51BA10A}">
+      <p15:sldGuideLst xmlns:p15="http://schemas.microsoft.com/office/powerpoint/2012/main"/>
+    </p:ext>
+  </p:extLst>
 </p:presentation>
 </file>
 
@@ -254,7 +263,7 @@
           <a:p>
             <a:fld id="{972B3C77-D849-46B1-AF61-566DF32854BA}" type="datetimeFigureOut">
               <a:rPr lang="zh-TW" altLang="en-US" smtClean="0"/>
-              <a:t>2024/9/30</a:t>
+              <a:t>2024/10/4</a:t>
             </a:fld>
             <a:endParaRPr lang="zh-TW" altLang="en-US"/>
           </a:p>
@@ -452,7 +461,7 @@
           <a:p>
             <a:fld id="{972B3C77-D849-46B1-AF61-566DF32854BA}" type="datetimeFigureOut">
               <a:rPr lang="zh-TW" altLang="en-US" smtClean="0"/>
-              <a:t>2024/9/30</a:t>
+              <a:t>2024/10/4</a:t>
             </a:fld>
             <a:endParaRPr lang="zh-TW" altLang="en-US"/>
           </a:p>
@@ -660,7 +669,7 @@
           <a:p>
             <a:fld id="{972B3C77-D849-46B1-AF61-566DF32854BA}" type="datetimeFigureOut">
               <a:rPr lang="zh-TW" altLang="en-US" smtClean="0"/>
-              <a:t>2024/9/30</a:t>
+              <a:t>2024/10/4</a:t>
             </a:fld>
             <a:endParaRPr lang="zh-TW" altLang="en-US"/>
           </a:p>
@@ -858,7 +867,7 @@
           <a:p>
             <a:fld id="{972B3C77-D849-46B1-AF61-566DF32854BA}" type="datetimeFigureOut">
               <a:rPr lang="zh-TW" altLang="en-US" smtClean="0"/>
-              <a:t>2024/9/30</a:t>
+              <a:t>2024/10/4</a:t>
             </a:fld>
             <a:endParaRPr lang="zh-TW" altLang="en-US"/>
           </a:p>
@@ -1133,7 +1142,7 @@
           <a:p>
             <a:fld id="{972B3C77-D849-46B1-AF61-566DF32854BA}" type="datetimeFigureOut">
               <a:rPr lang="zh-TW" altLang="en-US" smtClean="0"/>
-              <a:t>2024/9/30</a:t>
+              <a:t>2024/10/4</a:t>
             </a:fld>
             <a:endParaRPr lang="zh-TW" altLang="en-US"/>
           </a:p>
@@ -1398,7 +1407,7 @@
           <a:p>
             <a:fld id="{972B3C77-D849-46B1-AF61-566DF32854BA}" type="datetimeFigureOut">
               <a:rPr lang="zh-TW" altLang="en-US" smtClean="0"/>
-              <a:t>2024/9/30</a:t>
+              <a:t>2024/10/4</a:t>
             </a:fld>
             <a:endParaRPr lang="zh-TW" altLang="en-US"/>
           </a:p>
@@ -1810,7 +1819,7 @@
           <a:p>
             <a:fld id="{972B3C77-D849-46B1-AF61-566DF32854BA}" type="datetimeFigureOut">
               <a:rPr lang="zh-TW" altLang="en-US" smtClean="0"/>
-              <a:t>2024/9/30</a:t>
+              <a:t>2024/10/4</a:t>
             </a:fld>
             <a:endParaRPr lang="zh-TW" altLang="en-US"/>
           </a:p>
@@ -1951,7 +1960,7 @@
           <a:p>
             <a:fld id="{972B3C77-D849-46B1-AF61-566DF32854BA}" type="datetimeFigureOut">
               <a:rPr lang="zh-TW" altLang="en-US" smtClean="0"/>
-              <a:t>2024/9/30</a:t>
+              <a:t>2024/10/4</a:t>
             </a:fld>
             <a:endParaRPr lang="zh-TW" altLang="en-US"/>
           </a:p>
@@ -2064,7 +2073,7 @@
           <a:p>
             <a:fld id="{972B3C77-D849-46B1-AF61-566DF32854BA}" type="datetimeFigureOut">
               <a:rPr lang="zh-TW" altLang="en-US" smtClean="0"/>
-              <a:t>2024/9/30</a:t>
+              <a:t>2024/10/4</a:t>
             </a:fld>
             <a:endParaRPr lang="zh-TW" altLang="en-US"/>
           </a:p>
@@ -2375,7 +2384,7 @@
           <a:p>
             <a:fld id="{972B3C77-D849-46B1-AF61-566DF32854BA}" type="datetimeFigureOut">
               <a:rPr lang="zh-TW" altLang="en-US" smtClean="0"/>
-              <a:t>2024/9/30</a:t>
+              <a:t>2024/10/4</a:t>
             </a:fld>
             <a:endParaRPr lang="zh-TW" altLang="en-US"/>
           </a:p>
@@ -2663,7 +2672,7 @@
           <a:p>
             <a:fld id="{972B3C77-D849-46B1-AF61-566DF32854BA}" type="datetimeFigureOut">
               <a:rPr lang="zh-TW" altLang="en-US" smtClean="0"/>
-              <a:t>2024/9/30</a:t>
+              <a:t>2024/10/4</a:t>
             </a:fld>
             <a:endParaRPr lang="zh-TW" altLang="en-US"/>
           </a:p>
@@ -2904,7 +2913,7 @@
           <a:p>
             <a:fld id="{972B3C77-D849-46B1-AF61-566DF32854BA}" type="datetimeFigureOut">
               <a:rPr lang="zh-TW" altLang="en-US" smtClean="0"/>
-              <a:t>2024/9/30</a:t>
+              <a:t>2024/10/4</a:t>
             </a:fld>
             <a:endParaRPr lang="zh-TW" altLang="en-US"/>
           </a:p>
@@ -3326,6 +3335,310 @@
           <p:cNvPr id="2" name="標題 1">
             <a:extLst>
               <a:ext uri="{FF2B5EF4-FFF2-40B4-BE49-F238E27FC236}">
+                <a16:creationId xmlns:a16="http://schemas.microsoft.com/office/drawing/2014/main" id="{14F31E80-4D13-45AC-BE8E-124184F55FEF}"/>
+              </a:ext>
+            </a:extLst>
+          </p:cNvPr>
+          <p:cNvSpPr>
+            <a:spLocks noGrp="1"/>
+          </p:cNvSpPr>
+          <p:nvPr>
+            <p:ph type="title"/>
+          </p:nvPr>
+        </p:nvSpPr>
+        <p:spPr>
+          <a:xfrm>
+            <a:off x="838200" y="2766218"/>
+            <a:ext cx="10515600" cy="1325563"/>
+          </a:xfrm>
+        </p:spPr>
+        <p:txBody>
+          <a:bodyPr/>
+          <a:lstStyle/>
+          <a:p>
+            <a:pPr algn="ctr"/>
+            <a:r>
+              <a:rPr lang="zh-TW" altLang="en-US" dirty="0"/>
+              <a:t>登山網站</a:t>
+            </a:r>
+          </a:p>
+        </p:txBody>
+      </p:sp>
+    </p:spTree>
+    <p:extLst>
+      <p:ext uri="{BB962C8B-B14F-4D97-AF65-F5344CB8AC3E}">
+        <p14:creationId xmlns:p14="http://schemas.microsoft.com/office/powerpoint/2010/main" val="3037651437"/>
+      </p:ext>
+    </p:extLst>
+  </p:cSld>
+  <p:clrMapOvr>
+    <a:masterClrMapping/>
+  </p:clrMapOvr>
+</p:sld>
+</file>
+
+<file path=ppt/slides/slide2.xml><?xml version="1.0" encoding="utf-8"?>
+<p:sld xmlns:a="http://schemas.openxmlformats.org/drawingml/2006/main" xmlns:r="http://schemas.openxmlformats.org/officeDocument/2006/relationships" xmlns:p="http://schemas.openxmlformats.org/presentationml/2006/main">
+  <p:cSld>
+    <p:spTree>
+      <p:nvGrpSpPr>
+        <p:cNvPr id="1" name=""/>
+        <p:cNvGrpSpPr/>
+        <p:nvPr/>
+      </p:nvGrpSpPr>
+      <p:grpSpPr>
+        <a:xfrm>
+          <a:off x="0" y="0"/>
+          <a:ext cx="0" cy="0"/>
+          <a:chOff x="0" y="0"/>
+          <a:chExt cx="0" cy="0"/>
+        </a:xfrm>
+      </p:grpSpPr>
+      <p:sp>
+        <p:nvSpPr>
+          <p:cNvPr id="2" name="標題 1">
+            <a:extLst>
+              <a:ext uri="{FF2B5EF4-FFF2-40B4-BE49-F238E27FC236}">
+                <a16:creationId xmlns:a16="http://schemas.microsoft.com/office/drawing/2014/main" id="{F92ED069-E950-4413-A0E9-AD7E1AF727A6}"/>
+              </a:ext>
+            </a:extLst>
+          </p:cNvPr>
+          <p:cNvSpPr>
+            <a:spLocks noGrp="1"/>
+          </p:cNvSpPr>
+          <p:nvPr>
+            <p:ph type="title"/>
+          </p:nvPr>
+        </p:nvSpPr>
+        <p:spPr/>
+        <p:txBody>
+          <a:bodyPr/>
+          <a:lstStyle/>
+          <a:p>
+            <a:endParaRPr lang="zh-TW" altLang="en-US"/>
+          </a:p>
+        </p:txBody>
+      </p:sp>
+      <p:sp>
+        <p:nvSpPr>
+          <p:cNvPr id="3" name="內容版面配置區 2">
+            <a:extLst>
+              <a:ext uri="{FF2B5EF4-FFF2-40B4-BE49-F238E27FC236}">
+                <a16:creationId xmlns:a16="http://schemas.microsoft.com/office/drawing/2014/main" id="{91FC4DEA-C8F9-41D7-B8D1-1F956CE7DE6B}"/>
+              </a:ext>
+            </a:extLst>
+          </p:cNvPr>
+          <p:cNvSpPr>
+            <a:spLocks noGrp="1"/>
+          </p:cNvSpPr>
+          <p:nvPr>
+            <p:ph idx="1"/>
+          </p:nvPr>
+        </p:nvSpPr>
+        <p:spPr/>
+        <p:txBody>
+          <a:bodyPr/>
+          <a:lstStyle/>
+          <a:p>
+            <a:endParaRPr lang="zh-TW" altLang="en-US"/>
+          </a:p>
+        </p:txBody>
+      </p:sp>
+    </p:spTree>
+    <p:extLst>
+      <p:ext uri="{BB962C8B-B14F-4D97-AF65-F5344CB8AC3E}">
+        <p14:creationId xmlns:p14="http://schemas.microsoft.com/office/powerpoint/2010/main" val="3538455467"/>
+      </p:ext>
+    </p:extLst>
+  </p:cSld>
+  <p:clrMapOvr>
+    <a:masterClrMapping/>
+  </p:clrMapOvr>
+</p:sld>
+</file>
+
+<file path=ppt/slides/slide3.xml><?xml version="1.0" encoding="utf-8"?>
+<p:sld xmlns:a="http://schemas.openxmlformats.org/drawingml/2006/main" xmlns:r="http://schemas.openxmlformats.org/officeDocument/2006/relationships" xmlns:p="http://schemas.openxmlformats.org/presentationml/2006/main">
+  <p:cSld>
+    <p:spTree>
+      <p:nvGrpSpPr>
+        <p:cNvPr id="1" name=""/>
+        <p:cNvGrpSpPr/>
+        <p:nvPr/>
+      </p:nvGrpSpPr>
+      <p:grpSpPr>
+        <a:xfrm>
+          <a:off x="0" y="0"/>
+          <a:ext cx="0" cy="0"/>
+          <a:chOff x="0" y="0"/>
+          <a:chExt cx="0" cy="0"/>
+        </a:xfrm>
+      </p:grpSpPr>
+      <p:sp>
+        <p:nvSpPr>
+          <p:cNvPr id="2" name="標題 1">
+            <a:extLst>
+              <a:ext uri="{FF2B5EF4-FFF2-40B4-BE49-F238E27FC236}">
+                <a16:creationId xmlns:a16="http://schemas.microsoft.com/office/drawing/2014/main" id="{A0FABC4D-98A0-46B4-9D35-779D04E37239}"/>
+              </a:ext>
+            </a:extLst>
+          </p:cNvPr>
+          <p:cNvSpPr>
+            <a:spLocks noGrp="1"/>
+          </p:cNvSpPr>
+          <p:nvPr>
+            <p:ph type="title"/>
+          </p:nvPr>
+        </p:nvSpPr>
+        <p:spPr/>
+        <p:txBody>
+          <a:bodyPr/>
+          <a:lstStyle/>
+          <a:p>
+            <a:endParaRPr lang="zh-TW" altLang="en-US"/>
+          </a:p>
+        </p:txBody>
+      </p:sp>
+      <p:sp>
+        <p:nvSpPr>
+          <p:cNvPr id="3" name="內容版面配置區 2">
+            <a:extLst>
+              <a:ext uri="{FF2B5EF4-FFF2-40B4-BE49-F238E27FC236}">
+                <a16:creationId xmlns:a16="http://schemas.microsoft.com/office/drawing/2014/main" id="{A0B24716-3C68-4DA5-AAF8-61E3FD0CD736}"/>
+              </a:ext>
+            </a:extLst>
+          </p:cNvPr>
+          <p:cNvSpPr>
+            <a:spLocks noGrp="1"/>
+          </p:cNvSpPr>
+          <p:nvPr>
+            <p:ph idx="1"/>
+          </p:nvPr>
+        </p:nvSpPr>
+        <p:spPr/>
+        <p:txBody>
+          <a:bodyPr/>
+          <a:lstStyle/>
+          <a:p>
+            <a:endParaRPr lang="zh-TW" altLang="en-US"/>
+          </a:p>
+        </p:txBody>
+      </p:sp>
+    </p:spTree>
+    <p:extLst>
+      <p:ext uri="{BB962C8B-B14F-4D97-AF65-F5344CB8AC3E}">
+        <p14:creationId xmlns:p14="http://schemas.microsoft.com/office/powerpoint/2010/main" val="3902189322"/>
+      </p:ext>
+    </p:extLst>
+  </p:cSld>
+  <p:clrMapOvr>
+    <a:masterClrMapping/>
+  </p:clrMapOvr>
+</p:sld>
+</file>
+
+<file path=ppt/slides/slide4.xml><?xml version="1.0" encoding="utf-8"?>
+<p:sld xmlns:a="http://schemas.openxmlformats.org/drawingml/2006/main" xmlns:r="http://schemas.openxmlformats.org/officeDocument/2006/relationships" xmlns:p="http://schemas.openxmlformats.org/presentationml/2006/main">
+  <p:cSld>
+    <p:spTree>
+      <p:nvGrpSpPr>
+        <p:cNvPr id="1" name=""/>
+        <p:cNvGrpSpPr/>
+        <p:nvPr/>
+      </p:nvGrpSpPr>
+      <p:grpSpPr>
+        <a:xfrm>
+          <a:off x="0" y="0"/>
+          <a:ext cx="0" cy="0"/>
+          <a:chOff x="0" y="0"/>
+          <a:chExt cx="0" cy="0"/>
+        </a:xfrm>
+      </p:grpSpPr>
+      <p:sp>
+        <p:nvSpPr>
+          <p:cNvPr id="2" name="標題 1">
+            <a:extLst>
+              <a:ext uri="{FF2B5EF4-FFF2-40B4-BE49-F238E27FC236}">
+                <a16:creationId xmlns:a16="http://schemas.microsoft.com/office/drawing/2014/main" id="{6037CF0C-D765-4F2C-A0C3-5EE1C029A8EC}"/>
+              </a:ext>
+            </a:extLst>
+          </p:cNvPr>
+          <p:cNvSpPr>
+            <a:spLocks noGrp="1"/>
+          </p:cNvSpPr>
+          <p:nvPr>
+            <p:ph type="title"/>
+          </p:nvPr>
+        </p:nvSpPr>
+        <p:spPr/>
+        <p:txBody>
+          <a:bodyPr/>
+          <a:lstStyle/>
+          <a:p>
+            <a:endParaRPr lang="zh-TW" altLang="en-US"/>
+          </a:p>
+        </p:txBody>
+      </p:sp>
+      <p:sp>
+        <p:nvSpPr>
+          <p:cNvPr id="3" name="內容版面配置區 2">
+            <a:extLst>
+              <a:ext uri="{FF2B5EF4-FFF2-40B4-BE49-F238E27FC236}">
+                <a16:creationId xmlns:a16="http://schemas.microsoft.com/office/drawing/2014/main" id="{A61ED7E2-B8AF-477B-A933-1D8B41DF8E4A}"/>
+              </a:ext>
+            </a:extLst>
+          </p:cNvPr>
+          <p:cNvSpPr>
+            <a:spLocks noGrp="1"/>
+          </p:cNvSpPr>
+          <p:nvPr>
+            <p:ph idx="1"/>
+          </p:nvPr>
+        </p:nvSpPr>
+        <p:spPr/>
+        <p:txBody>
+          <a:bodyPr/>
+          <a:lstStyle/>
+          <a:p>
+            <a:endParaRPr lang="zh-TW" altLang="en-US"/>
+          </a:p>
+        </p:txBody>
+      </p:sp>
+    </p:spTree>
+    <p:extLst>
+      <p:ext uri="{BB962C8B-B14F-4D97-AF65-F5344CB8AC3E}">
+        <p14:creationId xmlns:p14="http://schemas.microsoft.com/office/powerpoint/2010/main" val="1865892710"/>
+      </p:ext>
+    </p:extLst>
+  </p:cSld>
+  <p:clrMapOvr>
+    <a:masterClrMapping/>
+  </p:clrMapOvr>
+</p:sld>
+</file>
+
+<file path=ppt/slides/slide5.xml><?xml version="1.0" encoding="utf-8"?>
+<p:sld xmlns:a="http://schemas.openxmlformats.org/drawingml/2006/main" xmlns:r="http://schemas.openxmlformats.org/officeDocument/2006/relationships" xmlns:p="http://schemas.openxmlformats.org/presentationml/2006/main">
+  <p:cSld>
+    <p:spTree>
+      <p:nvGrpSpPr>
+        <p:cNvPr id="1" name=""/>
+        <p:cNvGrpSpPr/>
+        <p:nvPr/>
+      </p:nvGrpSpPr>
+      <p:grpSpPr>
+        <a:xfrm>
+          <a:off x="0" y="0"/>
+          <a:ext cx="0" cy="0"/>
+          <a:chOff x="0" y="0"/>
+          <a:chExt cx="0" cy="0"/>
+        </a:xfrm>
+      </p:grpSpPr>
+      <p:sp>
+        <p:nvSpPr>
+          <p:cNvPr id="2" name="標題 1">
+            <a:extLst>
+              <a:ext uri="{FF2B5EF4-FFF2-40B4-BE49-F238E27FC236}">
                 <a16:creationId xmlns:a16="http://schemas.microsoft.com/office/drawing/2014/main" id="{B2C97521-99FA-429E-AABD-EA5A04CD3EA8}"/>
               </a:ext>
             </a:extLst>

--- a/ppt/ppt.pptx
+++ b/ppt/ppt.pptx
@@ -8,8 +8,9 @@
     <p:sldId id="257" r:id="rId2"/>
     <p:sldId id="258" r:id="rId3"/>
     <p:sldId id="259" r:id="rId4"/>
-    <p:sldId id="260" r:id="rId5"/>
-    <p:sldId id="256" r:id="rId6"/>
+    <p:sldId id="261" r:id="rId5"/>
+    <p:sldId id="262" r:id="rId6"/>
+    <p:sldId id="256" r:id="rId7"/>
   </p:sldIdLst>
   <p:sldSz cx="12192000" cy="6858000"/>
   <p:notesSz cx="6858000" cy="9144000"/>
@@ -3415,35 +3416,86 @@
           <a:bodyPr/>
           <a:lstStyle/>
           <a:p>
-            <a:endParaRPr lang="zh-TW" altLang="en-US"/>
-          </a:p>
-        </p:txBody>
-      </p:sp>
-      <p:sp>
-        <p:nvSpPr>
-          <p:cNvPr id="3" name="內容版面配置區 2">
-            <a:extLst>
-              <a:ext uri="{FF2B5EF4-FFF2-40B4-BE49-F238E27FC236}">
-                <a16:creationId xmlns:a16="http://schemas.microsoft.com/office/drawing/2014/main" id="{91FC4DEA-C8F9-41D7-B8D1-1F956CE7DE6B}"/>
-              </a:ext>
-            </a:extLst>
-          </p:cNvPr>
-          <p:cNvSpPr>
-            <a:spLocks noGrp="1"/>
-          </p:cNvSpPr>
-          <p:nvPr>
-            <p:ph idx="1"/>
-          </p:nvPr>
-        </p:nvSpPr>
-        <p:spPr/>
-        <p:txBody>
-          <a:bodyPr/>
-          <a:lstStyle/>
-          <a:p>
-            <a:endParaRPr lang="zh-TW" altLang="en-US"/>
-          </a:p>
-        </p:txBody>
-      </p:sp>
+            <a:pPr algn="ctr"/>
+            <a:r>
+              <a:rPr lang="zh-TW" altLang="en-US" dirty="0"/>
+              <a:t>使用工具</a:t>
+            </a:r>
+          </a:p>
+        </p:txBody>
+      </p:sp>
+      <p:pic>
+        <p:nvPicPr>
+          <p:cNvPr id="9" name="圖片 8">
+            <a:extLst>
+              <a:ext uri="{FF2B5EF4-FFF2-40B4-BE49-F238E27FC236}">
+                <a16:creationId xmlns:a16="http://schemas.microsoft.com/office/drawing/2014/main" id="{4555A455-D822-4C4E-A333-0619A7867892}"/>
+              </a:ext>
+            </a:extLst>
+          </p:cNvPr>
+          <p:cNvPicPr>
+            <a:picLocks noChangeAspect="1"/>
+          </p:cNvPicPr>
+          <p:nvPr/>
+        </p:nvPicPr>
+        <p:blipFill>
+          <a:blip r:embed="rId2">
+            <a:extLst>
+              <a:ext uri="{28A0092B-C50C-407E-A947-70E740481C1C}">
+                <a14:useLocalDpi xmlns:a14="http://schemas.microsoft.com/office/drawing/2010/main" val="0"/>
+              </a:ext>
+            </a:extLst>
+          </a:blip>
+          <a:stretch>
+            <a:fillRect/>
+          </a:stretch>
+        </p:blipFill>
+        <p:spPr>
+          <a:xfrm>
+            <a:off x="2053438" y="2718103"/>
+            <a:ext cx="3748363" cy="1421793"/>
+          </a:xfrm>
+          <a:prstGeom prst="rect">
+            <a:avLst/>
+          </a:prstGeom>
+        </p:spPr>
+      </p:pic>
+      <p:pic>
+        <p:nvPicPr>
+          <p:cNvPr id="11" name="圖片 10">
+            <a:extLst>
+              <a:ext uri="{FF2B5EF4-FFF2-40B4-BE49-F238E27FC236}">
+                <a16:creationId xmlns:a16="http://schemas.microsoft.com/office/drawing/2014/main" id="{72D94B2B-47D9-4477-820D-EC0195493332}"/>
+              </a:ext>
+            </a:extLst>
+          </p:cNvPr>
+          <p:cNvPicPr>
+            <a:picLocks noChangeAspect="1"/>
+          </p:cNvPicPr>
+          <p:nvPr/>
+        </p:nvPicPr>
+        <p:blipFill>
+          <a:blip r:embed="rId3">
+            <a:extLst>
+              <a:ext uri="{28A0092B-C50C-407E-A947-70E740481C1C}">
+                <a14:useLocalDpi xmlns:a14="http://schemas.microsoft.com/office/drawing/2010/main" val="0"/>
+              </a:ext>
+            </a:extLst>
+          </a:blip>
+          <a:stretch>
+            <a:fillRect/>
+          </a:stretch>
+        </p:blipFill>
+        <p:spPr>
+          <a:xfrm>
+            <a:off x="7953359" y="2558332"/>
+            <a:ext cx="2185203" cy="1741334"/>
+          </a:xfrm>
+          <a:prstGeom prst="rect">
+            <a:avLst/>
+          </a:prstGeom>
+        </p:spPr>
+      </p:pic>
     </p:spTree>
     <p:extLst>
       <p:ext uri="{BB962C8B-B14F-4D97-AF65-F5344CB8AC3E}">
@@ -3490,37 +3542,26 @@
             <p:ph type="title"/>
           </p:nvPr>
         </p:nvSpPr>
-        <p:spPr/>
-        <p:txBody>
-          <a:bodyPr/>
-          <a:lstStyle/>
-          <a:p>
-            <a:endParaRPr lang="zh-TW" altLang="en-US"/>
-          </a:p>
-        </p:txBody>
-      </p:sp>
-      <p:sp>
-        <p:nvSpPr>
-          <p:cNvPr id="3" name="內容版面配置區 2">
-            <a:extLst>
-              <a:ext uri="{FF2B5EF4-FFF2-40B4-BE49-F238E27FC236}">
-                <a16:creationId xmlns:a16="http://schemas.microsoft.com/office/drawing/2014/main" id="{A0B24716-3C68-4DA5-AAF8-61E3FD0CD736}"/>
-              </a:ext>
-            </a:extLst>
-          </p:cNvPr>
-          <p:cNvSpPr>
-            <a:spLocks noGrp="1"/>
-          </p:cNvSpPr>
-          <p:nvPr>
-            <p:ph idx="1"/>
-          </p:nvPr>
-        </p:nvSpPr>
-        <p:spPr/>
-        <p:txBody>
-          <a:bodyPr/>
-          <a:lstStyle/>
-          <a:p>
-            <a:endParaRPr lang="zh-TW" altLang="en-US"/>
+        <p:spPr>
+          <a:xfrm>
+            <a:off x="838200" y="2766218"/>
+            <a:ext cx="10515600" cy="1325563"/>
+          </a:xfrm>
+        </p:spPr>
+        <p:txBody>
+          <a:bodyPr/>
+          <a:lstStyle/>
+          <a:p>
+            <a:pPr algn="ctr"/>
+            <a:r>
+              <a:rPr lang="zh-TW" altLang="en-US" dirty="0"/>
+              <a:t>為何選這主題</a:t>
+            </a:r>
+            <a:r>
+              <a:rPr lang="en-US" altLang="zh-TW" dirty="0"/>
+              <a:t>?</a:t>
+            </a:r>
+            <a:endParaRPr lang="zh-TW" altLang="en-US" dirty="0"/>
           </a:p>
         </p:txBody>
       </p:sp>
@@ -3559,7 +3600,7 @@
           <p:cNvPr id="2" name="標題 1">
             <a:extLst>
               <a:ext uri="{FF2B5EF4-FFF2-40B4-BE49-F238E27FC236}">
-                <a16:creationId xmlns:a16="http://schemas.microsoft.com/office/drawing/2014/main" id="{6037CF0C-D765-4F2C-A0C3-5EE1C029A8EC}"/>
+                <a16:creationId xmlns:a16="http://schemas.microsoft.com/office/drawing/2014/main" id="{525A8023-BEE5-4784-9F0A-3AB3BEEDB5C6}"/>
               </a:ext>
             </a:extLst>
           </p:cNvPr>
@@ -3570,12 +3611,21 @@
             <p:ph type="title"/>
           </p:nvPr>
         </p:nvSpPr>
-        <p:spPr/>
-        <p:txBody>
-          <a:bodyPr/>
-          <a:lstStyle/>
-          <a:p>
-            <a:endParaRPr lang="zh-TW" altLang="en-US"/>
+        <p:spPr>
+          <a:xfrm>
+            <a:off x="838199" y="376016"/>
+            <a:ext cx="10515600" cy="1325563"/>
+          </a:xfrm>
+        </p:spPr>
+        <p:txBody>
+          <a:bodyPr/>
+          <a:lstStyle/>
+          <a:p>
+            <a:pPr algn="ctr"/>
+            <a:r>
+              <a:rPr lang="zh-TW" altLang="en-US" dirty="0"/>
+              <a:t>主要功能</a:t>
+            </a:r>
           </a:p>
         </p:txBody>
       </p:sp>
@@ -3584,7 +3634,7 @@
           <p:cNvPr id="3" name="內容版面配置區 2">
             <a:extLst>
               <a:ext uri="{FF2B5EF4-FFF2-40B4-BE49-F238E27FC236}">
-                <a16:creationId xmlns:a16="http://schemas.microsoft.com/office/drawing/2014/main" id="{A61ED7E2-B8AF-477B-A933-1D8B41DF8E4A}"/>
+                <a16:creationId xmlns:a16="http://schemas.microsoft.com/office/drawing/2014/main" id="{A1FE1899-FC0B-4C78-BDB3-5E1883E92E15}"/>
               </a:ext>
             </a:extLst>
           </p:cNvPr>
@@ -3595,19 +3645,56 @@
             <p:ph idx="1"/>
           </p:nvPr>
         </p:nvSpPr>
-        <p:spPr/>
-        <p:txBody>
-          <a:bodyPr/>
-          <a:lstStyle/>
-          <a:p>
-            <a:endParaRPr lang="zh-TW" altLang="en-US"/>
+        <p:spPr>
+          <a:xfrm>
+            <a:off x="4563054" y="2130646"/>
+            <a:ext cx="3065891" cy="4351338"/>
+          </a:xfrm>
+        </p:spPr>
+        <p:txBody>
+          <a:bodyPr/>
+          <a:lstStyle/>
+          <a:p>
+            <a:r>
+              <a:rPr lang="zh-TW" altLang="en-US" dirty="0"/>
+              <a:t>直觀的網站</a:t>
+            </a:r>
+            <a:endParaRPr lang="en-US" altLang="zh-TW" dirty="0"/>
+          </a:p>
+          <a:p>
+            <a:r>
+              <a:rPr lang="zh-TW" altLang="en-US" dirty="0"/>
+              <a:t>登山小知識</a:t>
+            </a:r>
+            <a:endParaRPr lang="en-US" altLang="zh-TW" dirty="0"/>
+          </a:p>
+          <a:p>
+            <a:r>
+              <a:rPr lang="zh-TW" altLang="en-US" dirty="0"/>
+              <a:t>新聞</a:t>
+            </a:r>
+            <a:endParaRPr lang="en-US" altLang="zh-TW" dirty="0"/>
+          </a:p>
+          <a:p>
+            <a:r>
+              <a:rPr lang="zh-TW" altLang="en-US" dirty="0"/>
+              <a:t>天氣查詢</a:t>
+            </a:r>
+            <a:endParaRPr lang="en-US" altLang="zh-TW" dirty="0"/>
+          </a:p>
+          <a:p>
+            <a:r>
+              <a:rPr lang="zh-TW" altLang="en-US" dirty="0"/>
+              <a:t>爬山資訊</a:t>
+            </a:r>
+            <a:endParaRPr lang="en-US" altLang="zh-TW" dirty="0"/>
           </a:p>
         </p:txBody>
       </p:sp>
     </p:spTree>
     <p:extLst>
       <p:ext uri="{BB962C8B-B14F-4D97-AF65-F5344CB8AC3E}">
-        <p14:creationId xmlns:p14="http://schemas.microsoft.com/office/powerpoint/2010/main" val="1865892710"/>
+        <p14:creationId xmlns:p14="http://schemas.microsoft.com/office/powerpoint/2010/main" val="2190797773"/>
       </p:ext>
     </p:extLst>
   </p:cSld>
@@ -3639,6 +3726,70 @@
           <p:cNvPr id="2" name="標題 1">
             <a:extLst>
               <a:ext uri="{FF2B5EF4-FFF2-40B4-BE49-F238E27FC236}">
+                <a16:creationId xmlns:a16="http://schemas.microsoft.com/office/drawing/2014/main" id="{9E397548-961F-4154-9AE8-7CE050256C51}"/>
+              </a:ext>
+            </a:extLst>
+          </p:cNvPr>
+          <p:cNvSpPr>
+            <a:spLocks noGrp="1"/>
+          </p:cNvSpPr>
+          <p:nvPr>
+            <p:ph type="title"/>
+          </p:nvPr>
+        </p:nvSpPr>
+        <p:spPr>
+          <a:xfrm>
+            <a:off x="838200" y="2766218"/>
+            <a:ext cx="10515600" cy="1325563"/>
+          </a:xfrm>
+        </p:spPr>
+        <p:txBody>
+          <a:bodyPr/>
+          <a:lstStyle/>
+          <a:p>
+            <a:pPr algn="ctr"/>
+            <a:r>
+              <a:rPr lang="zh-TW" altLang="en-US" dirty="0"/>
+              <a:t>實際操作</a:t>
+            </a:r>
+          </a:p>
+        </p:txBody>
+      </p:sp>
+    </p:spTree>
+    <p:extLst>
+      <p:ext uri="{BB962C8B-B14F-4D97-AF65-F5344CB8AC3E}">
+        <p14:creationId xmlns:p14="http://schemas.microsoft.com/office/powerpoint/2010/main" val="2820006222"/>
+      </p:ext>
+    </p:extLst>
+  </p:cSld>
+  <p:clrMapOvr>
+    <a:masterClrMapping/>
+  </p:clrMapOvr>
+</p:sld>
+</file>
+
+<file path=ppt/slides/slide6.xml><?xml version="1.0" encoding="utf-8"?>
+<p:sld xmlns:a="http://schemas.openxmlformats.org/drawingml/2006/main" xmlns:r="http://schemas.openxmlformats.org/officeDocument/2006/relationships" xmlns:p="http://schemas.openxmlformats.org/presentationml/2006/main">
+  <p:cSld>
+    <p:spTree>
+      <p:nvGrpSpPr>
+        <p:cNvPr id="1" name=""/>
+        <p:cNvGrpSpPr/>
+        <p:nvPr/>
+      </p:nvGrpSpPr>
+      <p:grpSpPr>
+        <a:xfrm>
+          <a:off x="0" y="0"/>
+          <a:ext cx="0" cy="0"/>
+          <a:chOff x="0" y="0"/>
+          <a:chExt cx="0" cy="0"/>
+        </a:xfrm>
+      </p:grpSpPr>
+      <p:sp>
+        <p:nvSpPr>
+          <p:cNvPr id="2" name="標題 1">
+            <a:extLst>
+              <a:ext uri="{FF2B5EF4-FFF2-40B4-BE49-F238E27FC236}">
                 <a16:creationId xmlns:a16="http://schemas.microsoft.com/office/drawing/2014/main" id="{B2C97521-99FA-429E-AABD-EA5A04CD3EA8}"/>
               </a:ext>
             </a:extLst>
@@ -3688,12 +3839,12 @@
         <p:spPr>
           <a:xfrm>
             <a:off x="1524000" y="1359771"/>
-            <a:ext cx="9144000" cy="1655762"/>
+            <a:ext cx="9144000" cy="2289878"/>
           </a:xfrm>
         </p:spPr>
         <p:txBody>
           <a:bodyPr>
-            <a:normAutofit fontScale="77500" lnSpcReduction="20000"/>
+            <a:normAutofit/>
           </a:bodyPr>
           <a:lstStyle/>
           <a:p>
@@ -3771,6 +3922,10 @@
               <a:rPr lang="en-US" altLang="zh-TW" dirty="0"/>
               <a:t>hiking book</a:t>
             </a:r>
+          </a:p>
+          <a:p>
+            <a:pPr algn="l"/>
+            <a:endParaRPr lang="en-US" altLang="zh-TW" dirty="0"/>
           </a:p>
           <a:p>
             <a:pPr algn="l"/>
